--- a/SCTP_DTLS_REQ.pptx
+++ b/SCTP_DTLS_REQ.pptx
@@ -7,10 +7,12 @@
   <p:sldIdLst>
     <p:sldId id="256" r:id="rId2"/>
     <p:sldId id="257" r:id="rId3"/>
-    <p:sldId id="258" r:id="rId4"/>
-    <p:sldId id="259" r:id="rId5"/>
-    <p:sldId id="260" r:id="rId6"/>
-    <p:sldId id="261" r:id="rId7"/>
+    <p:sldId id="263" r:id="rId4"/>
+    <p:sldId id="262" r:id="rId5"/>
+    <p:sldId id="258" r:id="rId6"/>
+    <p:sldId id="259" r:id="rId7"/>
+    <p:sldId id="260" r:id="rId8"/>
+    <p:sldId id="261" r:id="rId9"/>
   </p:sldIdLst>
   <p:sldSz cx="12192000" cy="6858000"/>
   <p:notesSz cx="6858000" cy="9144000"/>
@@ -109,6 +111,11 @@
       </a:defRPr>
     </a:lvl9pPr>
   </p:defaultTextStyle>
+  <p:extLst>
+    <p:ext uri="{EFAFB233-063F-42B5-8137-9DF3F51BA10A}">
+      <p15:sldGuideLst xmlns:p15="http://schemas.microsoft.com/office/powerpoint/2012/main"/>
+    </p:ext>
+  </p:extLst>
 </p:presentation>
 </file>
 
@@ -259,7 +266,7 @@
           <a:p>
             <a:fld id="{6533F464-AFE6-B04E-8DF9-709F02B0A2D0}" type="datetimeFigureOut">
               <a:rPr lang="en-US" smtClean="0"/>
-              <a:t>10/25/23</a:t>
+              <a:t>10/27/23</a:t>
             </a:fld>
             <a:endParaRPr lang="en-US"/>
           </a:p>
@@ -457,7 +464,7 @@
           <a:p>
             <a:fld id="{6533F464-AFE6-B04E-8DF9-709F02B0A2D0}" type="datetimeFigureOut">
               <a:rPr lang="en-US" smtClean="0"/>
-              <a:t>10/25/23</a:t>
+              <a:t>10/27/23</a:t>
             </a:fld>
             <a:endParaRPr lang="en-US"/>
           </a:p>
@@ -665,7 +672,7 @@
           <a:p>
             <a:fld id="{6533F464-AFE6-B04E-8DF9-709F02B0A2D0}" type="datetimeFigureOut">
               <a:rPr lang="en-US" smtClean="0"/>
-              <a:t>10/25/23</a:t>
+              <a:t>10/27/23</a:t>
             </a:fld>
             <a:endParaRPr lang="en-US"/>
           </a:p>
@@ -863,7 +870,7 @@
           <a:p>
             <a:fld id="{6533F464-AFE6-B04E-8DF9-709F02B0A2D0}" type="datetimeFigureOut">
               <a:rPr lang="en-US" smtClean="0"/>
-              <a:t>10/25/23</a:t>
+              <a:t>10/27/23</a:t>
             </a:fld>
             <a:endParaRPr lang="en-US"/>
           </a:p>
@@ -1138,7 +1145,7 @@
           <a:p>
             <a:fld id="{6533F464-AFE6-B04E-8DF9-709F02B0A2D0}" type="datetimeFigureOut">
               <a:rPr lang="en-US" smtClean="0"/>
-              <a:t>10/25/23</a:t>
+              <a:t>10/27/23</a:t>
             </a:fld>
             <a:endParaRPr lang="en-US"/>
           </a:p>
@@ -1403,7 +1410,7 @@
           <a:p>
             <a:fld id="{6533F464-AFE6-B04E-8DF9-709F02B0A2D0}" type="datetimeFigureOut">
               <a:rPr lang="en-US" smtClean="0"/>
-              <a:t>10/25/23</a:t>
+              <a:t>10/27/23</a:t>
             </a:fld>
             <a:endParaRPr lang="en-US"/>
           </a:p>
@@ -1815,7 +1822,7 @@
           <a:p>
             <a:fld id="{6533F464-AFE6-B04E-8DF9-709F02B0A2D0}" type="datetimeFigureOut">
               <a:rPr lang="en-US" smtClean="0"/>
-              <a:t>10/25/23</a:t>
+              <a:t>10/27/23</a:t>
             </a:fld>
             <a:endParaRPr lang="en-US"/>
           </a:p>
@@ -1956,7 +1963,7 @@
           <a:p>
             <a:fld id="{6533F464-AFE6-B04E-8DF9-709F02B0A2D0}" type="datetimeFigureOut">
               <a:rPr lang="en-US" smtClean="0"/>
-              <a:t>10/25/23</a:t>
+              <a:t>10/27/23</a:t>
             </a:fld>
             <a:endParaRPr lang="en-US"/>
           </a:p>
@@ -2069,7 +2076,7 @@
           <a:p>
             <a:fld id="{6533F464-AFE6-B04E-8DF9-709F02B0A2D0}" type="datetimeFigureOut">
               <a:rPr lang="en-US" smtClean="0"/>
-              <a:t>10/25/23</a:t>
+              <a:t>10/27/23</a:t>
             </a:fld>
             <a:endParaRPr lang="en-US"/>
           </a:p>
@@ -2380,7 +2387,7 @@
           <a:p>
             <a:fld id="{6533F464-AFE6-B04E-8DF9-709F02B0A2D0}" type="datetimeFigureOut">
               <a:rPr lang="en-US" smtClean="0"/>
-              <a:t>10/25/23</a:t>
+              <a:t>10/27/23</a:t>
             </a:fld>
             <a:endParaRPr lang="en-US"/>
           </a:p>
@@ -2668,7 +2675,7 @@
           <a:p>
             <a:fld id="{6533F464-AFE6-B04E-8DF9-709F02B0A2D0}" type="datetimeFigureOut">
               <a:rPr lang="en-US" smtClean="0"/>
-              <a:t>10/25/23</a:t>
+              <a:t>10/27/23</a:t>
             </a:fld>
             <a:endParaRPr lang="en-US"/>
           </a:p>
@@ -2909,7 +2916,7 @@
           <a:p>
             <a:fld id="{6533F464-AFE6-B04E-8DF9-709F02B0A2D0}" type="datetimeFigureOut">
               <a:rPr lang="en-US" smtClean="0"/>
-              <a:t>10/25/23</a:t>
+              <a:t>10/27/23</a:t>
             </a:fld>
             <a:endParaRPr lang="en-US"/>
           </a:p>
@@ -3763,7 +3770,7 @@
           <p:cNvPr id="2" name="Title 1">
             <a:extLst>
               <a:ext uri="{FF2B5EF4-FFF2-40B4-BE49-F238E27FC236}">
-                <a16:creationId xmlns:a16="http://schemas.microsoft.com/office/drawing/2014/main" id="{564DDCBF-3490-DB5D-1F0D-569D609B9348}"/>
+                <a16:creationId xmlns:a16="http://schemas.microsoft.com/office/drawing/2014/main" id="{7966AE5B-A9EA-BBAF-0264-5D6F1EC0C00D}"/>
               </a:ext>
             </a:extLst>
           </p:cNvPr>
@@ -3781,7 +3788,7 @@
           <a:p>
             <a:r>
               <a:rPr lang="en-US" dirty="0"/>
-              <a:t>Functional Requirements for SCTP</a:t>
+              <a:t>Context</a:t>
             </a:r>
           </a:p>
         </p:txBody>
@@ -3791,7 +3798,7 @@
           <p:cNvPr id="3" name="Content Placeholder 2">
             <a:extLst>
               <a:ext uri="{FF2B5EF4-FFF2-40B4-BE49-F238E27FC236}">
-                <a16:creationId xmlns:a16="http://schemas.microsoft.com/office/drawing/2014/main" id="{B2B83F0E-9D61-AE57-DB66-1C6112D14E26}"/>
+                <a16:creationId xmlns:a16="http://schemas.microsoft.com/office/drawing/2014/main" id="{4457BCEF-D264-FD46-0DD1-92628D059025}"/>
               </a:ext>
             </a:extLst>
           </p:cNvPr>
@@ -3804,79 +3811,46 @@
         </p:nvSpPr>
         <p:spPr/>
         <p:txBody>
-          <a:bodyPr>
-            <a:normAutofit/>
-          </a:bodyPr>
+          <a:bodyPr/>
           <a:lstStyle/>
           <a:p>
             <a:r>
               <a:rPr lang="en-US" dirty="0"/>
-              <a:t>Features from the base specification</a:t>
-            </a:r>
-          </a:p>
-          <a:p>
-            <a:pPr lvl="1"/>
+              <a:t>RFC 6083bis required.</a:t>
+            </a:r>
+          </a:p>
+          <a:p>
             <a:r>
               <a:rPr lang="en-US" dirty="0"/>
-              <a:t>Ordered reliable transmission of user messages</a:t>
-            </a:r>
-          </a:p>
-          <a:p>
-            <a:pPr lvl="1"/>
+              <a:t>Currently using </a:t>
+            </a:r>
+            <a:r>
+              <a:rPr lang="en-US" dirty="0" err="1"/>
+              <a:t>IPSec</a:t>
+            </a:r>
             <a:r>
               <a:rPr lang="en-US" dirty="0"/>
-              <a:t>Multihoming but no dynamic address reconfiguration</a:t>
-            </a:r>
-          </a:p>
-          <a:p>
-            <a:pPr lvl="1"/>
+              <a:t>.</a:t>
+            </a:r>
+          </a:p>
+          <a:p>
             <a:r>
               <a:rPr lang="en-US" dirty="0"/>
-              <a:t>Restart procedure</a:t>
+              <a:t>With the upcoming deployment of signaling nodes in the cloud, this is not sufficient anymore.</a:t>
             </a:r>
           </a:p>
           <a:p>
             <a:r>
               <a:rPr lang="en-US" dirty="0"/>
-              <a:t>Parametrization</a:t>
-            </a:r>
-          </a:p>
-          <a:p>
-            <a:pPr lvl="1"/>
-            <a:r>
-              <a:rPr lang="en-US" dirty="0"/>
-              <a:t>At least two streams</a:t>
-            </a:r>
-          </a:p>
-          <a:p>
-            <a:pPr lvl="1"/>
-            <a:r>
-              <a:rPr lang="en-US" dirty="0"/>
-              <a:t>User message sizes of at least 1 GB (0.5 MB currently in use) supported</a:t>
-            </a:r>
-          </a:p>
-          <a:p>
-            <a:r>
-              <a:rPr lang="en-US" dirty="0"/>
-              <a:t>Constraints</a:t>
-            </a:r>
-          </a:p>
-          <a:p>
-            <a:pPr lvl="1"/>
-            <a:r>
-              <a:rPr lang="en-US" dirty="0"/>
-              <a:t>Protocol mechanisms should not limit availability of communication</a:t>
-            </a:r>
-          </a:p>
-          <a:p>
-            <a:endParaRPr lang="en-US" dirty="0"/>
+              <a:t>3GPP requirements.</a:t>
+            </a:r>
           </a:p>
         </p:txBody>
       </p:sp>
     </p:spTree>
     <p:extLst>
       <p:ext uri="{BB962C8B-B14F-4D97-AF65-F5344CB8AC3E}">
-        <p14:creationId xmlns:p14="http://schemas.microsoft.com/office/powerpoint/2010/main" val="462022126"/>
+        <p14:creationId xmlns:p14="http://schemas.microsoft.com/office/powerpoint/2010/main" val="2567589202"/>
       </p:ext>
     </p:extLst>
   </p:cSld>
@@ -3908,7 +3882,7 @@
           <p:cNvPr id="2" name="Title 1">
             <a:extLst>
               <a:ext uri="{FF2B5EF4-FFF2-40B4-BE49-F238E27FC236}">
-                <a16:creationId xmlns:a16="http://schemas.microsoft.com/office/drawing/2014/main" id="{21F0E716-C137-9156-0322-229C3EDBCFBE}"/>
+                <a16:creationId xmlns:a16="http://schemas.microsoft.com/office/drawing/2014/main" id="{CFBA92E0-DA47-9BC7-07B4-0B4892125A65}"/>
               </a:ext>
             </a:extLst>
           </p:cNvPr>
@@ -3926,7 +3900,7 @@
           <a:p>
             <a:r>
               <a:rPr lang="en-US" dirty="0"/>
-              <a:t>Implementation Considerations for SCTP</a:t>
+              <a:t>Generic Requirements</a:t>
             </a:r>
           </a:p>
         </p:txBody>
@@ -3936,7 +3910,7 @@
           <p:cNvPr id="3" name="Content Placeholder 2">
             <a:extLst>
               <a:ext uri="{FF2B5EF4-FFF2-40B4-BE49-F238E27FC236}">
-                <a16:creationId xmlns:a16="http://schemas.microsoft.com/office/drawing/2014/main" id="{72FEC545-62E9-15BE-6123-69BF4A2396D7}"/>
+                <a16:creationId xmlns:a16="http://schemas.microsoft.com/office/drawing/2014/main" id="{54EDCF88-4DCF-4885-4143-3CAFA160B8F7}"/>
               </a:ext>
             </a:extLst>
           </p:cNvPr>
@@ -3953,37 +3927,22 @@
           <a:lstStyle/>
           <a:p>
             <a:r>
-              <a:rPr lang="en-US" b="0" i="0" u="none" strike="noStrike" dirty="0">
-                <a:solidFill>
-                  <a:srgbClr val="222222"/>
-                </a:solidFill>
-                <a:effectLst/>
-              </a:rPr>
-              <a:t>User message sizes must not be limited by a protocol implementation</a:t>
-            </a:r>
-          </a:p>
-          <a:p>
-            <a:pPr algn="l">
-              <a:buFont typeface="Arial" panose="020B0604020202020204" pitchFamily="34" charset="0"/>
-              <a:buChar char="•"/>
-            </a:pPr>
-            <a:r>
-              <a:rPr lang="en-US" dirty="0">
-                <a:effectLst/>
-              </a:rPr>
-              <a:t>For some participants it is preferred to be able to use open-source kernel SCTP implementations</a:t>
-            </a:r>
-            <a:br>
               <a:rPr lang="en-US" dirty="0"/>
-            </a:br>
-            <a:endParaRPr lang="en-US" dirty="0"/>
+              <a:t>Protocol mechanisms should not limit availability of communication or result in message loss.</a:t>
+            </a:r>
+          </a:p>
+          <a:p>
+            <a:r>
+              <a:rPr lang="en-US" dirty="0"/>
+              <a:t>User message sizes of at least 1 GB (0.5 MB currently in use) supported, if unlimited is not feasible.</a:t>
+            </a:r>
           </a:p>
         </p:txBody>
       </p:sp>
     </p:spTree>
     <p:extLst>
       <p:ext uri="{BB962C8B-B14F-4D97-AF65-F5344CB8AC3E}">
-        <p14:creationId xmlns:p14="http://schemas.microsoft.com/office/powerpoint/2010/main" val="211260678"/>
+        <p14:creationId xmlns:p14="http://schemas.microsoft.com/office/powerpoint/2010/main" val="3134106148"/>
       </p:ext>
     </p:extLst>
   </p:cSld>
@@ -4015,6 +3974,240 @@
           <p:cNvPr id="2" name="Title 1">
             <a:extLst>
               <a:ext uri="{FF2B5EF4-FFF2-40B4-BE49-F238E27FC236}">
+                <a16:creationId xmlns:a16="http://schemas.microsoft.com/office/drawing/2014/main" id="{564DDCBF-3490-DB5D-1F0D-569D609B9348}"/>
+              </a:ext>
+            </a:extLst>
+          </p:cNvPr>
+          <p:cNvSpPr>
+            <a:spLocks noGrp="1"/>
+          </p:cNvSpPr>
+          <p:nvPr>
+            <p:ph type="title"/>
+          </p:nvPr>
+        </p:nvSpPr>
+        <p:spPr/>
+        <p:txBody>
+          <a:bodyPr/>
+          <a:lstStyle/>
+          <a:p>
+            <a:r>
+              <a:rPr lang="en-US" dirty="0"/>
+              <a:t>Functional Requirements for SCTP</a:t>
+            </a:r>
+          </a:p>
+        </p:txBody>
+      </p:sp>
+      <p:sp>
+        <p:nvSpPr>
+          <p:cNvPr id="3" name="Content Placeholder 2">
+            <a:extLst>
+              <a:ext uri="{FF2B5EF4-FFF2-40B4-BE49-F238E27FC236}">
+                <a16:creationId xmlns:a16="http://schemas.microsoft.com/office/drawing/2014/main" id="{B2B83F0E-9D61-AE57-DB66-1C6112D14E26}"/>
+              </a:ext>
+            </a:extLst>
+          </p:cNvPr>
+          <p:cNvSpPr>
+            <a:spLocks noGrp="1"/>
+          </p:cNvSpPr>
+          <p:nvPr>
+            <p:ph idx="1"/>
+          </p:nvPr>
+        </p:nvSpPr>
+        <p:spPr/>
+        <p:txBody>
+          <a:bodyPr>
+            <a:normAutofit/>
+          </a:bodyPr>
+          <a:lstStyle/>
+          <a:p>
+            <a:r>
+              <a:rPr lang="en-US" dirty="0"/>
+              <a:t>Features from the base specification</a:t>
+            </a:r>
+          </a:p>
+          <a:p>
+            <a:pPr lvl="1"/>
+            <a:r>
+              <a:rPr lang="en-US" dirty="0"/>
+              <a:t>Ordered reliable transmission of user messages</a:t>
+            </a:r>
+          </a:p>
+          <a:p>
+            <a:pPr lvl="1"/>
+            <a:r>
+              <a:rPr lang="en-US" dirty="0"/>
+              <a:t>Multihoming, but no dynamic address reconfiguration</a:t>
+            </a:r>
+          </a:p>
+          <a:p>
+            <a:pPr lvl="1"/>
+            <a:r>
+              <a:rPr lang="en-US" dirty="0"/>
+              <a:t>Restart procedure</a:t>
+            </a:r>
+          </a:p>
+          <a:p>
+            <a:r>
+              <a:rPr lang="en-US" dirty="0"/>
+              <a:t>Parametrization</a:t>
+            </a:r>
+          </a:p>
+          <a:p>
+            <a:pPr lvl="1"/>
+            <a:r>
+              <a:rPr lang="en-US" dirty="0"/>
+              <a:t>At least two SCTP streams available to </a:t>
+            </a:r>
+            <a:r>
+              <a:rPr lang="en-US"/>
+              <a:t>the application</a:t>
+            </a:r>
+            <a:endParaRPr lang="en-US" dirty="0"/>
+          </a:p>
+        </p:txBody>
+      </p:sp>
+    </p:spTree>
+    <p:extLst>
+      <p:ext uri="{BB962C8B-B14F-4D97-AF65-F5344CB8AC3E}">
+        <p14:creationId xmlns:p14="http://schemas.microsoft.com/office/powerpoint/2010/main" val="462022126"/>
+      </p:ext>
+    </p:extLst>
+  </p:cSld>
+  <p:clrMapOvr>
+    <a:masterClrMapping/>
+  </p:clrMapOvr>
+</p:sld>
+</file>
+
+<file path=ppt/slides/slide6.xml><?xml version="1.0" encoding="utf-8"?>
+<p:sld xmlns:a="http://schemas.openxmlformats.org/drawingml/2006/main" xmlns:r="http://schemas.openxmlformats.org/officeDocument/2006/relationships" xmlns:p="http://schemas.openxmlformats.org/presentationml/2006/main">
+  <p:cSld>
+    <p:spTree>
+      <p:nvGrpSpPr>
+        <p:cNvPr id="1" name=""/>
+        <p:cNvGrpSpPr/>
+        <p:nvPr/>
+      </p:nvGrpSpPr>
+      <p:grpSpPr>
+        <a:xfrm>
+          <a:off x="0" y="0"/>
+          <a:ext cx="0" cy="0"/>
+          <a:chOff x="0" y="0"/>
+          <a:chExt cx="0" cy="0"/>
+        </a:xfrm>
+      </p:grpSpPr>
+      <p:sp>
+        <p:nvSpPr>
+          <p:cNvPr id="2" name="Title 1">
+            <a:extLst>
+              <a:ext uri="{FF2B5EF4-FFF2-40B4-BE49-F238E27FC236}">
+                <a16:creationId xmlns:a16="http://schemas.microsoft.com/office/drawing/2014/main" id="{21F0E716-C137-9156-0322-229C3EDBCFBE}"/>
+              </a:ext>
+            </a:extLst>
+          </p:cNvPr>
+          <p:cNvSpPr>
+            <a:spLocks noGrp="1"/>
+          </p:cNvSpPr>
+          <p:nvPr>
+            <p:ph type="title"/>
+          </p:nvPr>
+        </p:nvSpPr>
+        <p:spPr/>
+        <p:txBody>
+          <a:bodyPr/>
+          <a:lstStyle/>
+          <a:p>
+            <a:r>
+              <a:rPr lang="en-US" dirty="0"/>
+              <a:t>Implementation Considerations for SCTP</a:t>
+            </a:r>
+          </a:p>
+        </p:txBody>
+      </p:sp>
+      <p:sp>
+        <p:nvSpPr>
+          <p:cNvPr id="3" name="Content Placeholder 2">
+            <a:extLst>
+              <a:ext uri="{FF2B5EF4-FFF2-40B4-BE49-F238E27FC236}">
+                <a16:creationId xmlns:a16="http://schemas.microsoft.com/office/drawing/2014/main" id="{72FEC545-62E9-15BE-6123-69BF4A2396D7}"/>
+              </a:ext>
+            </a:extLst>
+          </p:cNvPr>
+          <p:cNvSpPr>
+            <a:spLocks noGrp="1"/>
+          </p:cNvSpPr>
+          <p:nvPr>
+            <p:ph idx="1"/>
+          </p:nvPr>
+        </p:nvSpPr>
+        <p:spPr/>
+        <p:txBody>
+          <a:bodyPr/>
+          <a:lstStyle/>
+          <a:p>
+            <a:r>
+              <a:rPr lang="en-US" b="0" i="0" u="none" strike="noStrike" dirty="0">
+                <a:solidFill>
+                  <a:srgbClr val="222222"/>
+                </a:solidFill>
+                <a:effectLst/>
+              </a:rPr>
+              <a:t>User message sizes must not be limited by a protocol implementation</a:t>
+            </a:r>
+          </a:p>
+          <a:p>
+            <a:pPr algn="l">
+              <a:buFont typeface="Arial" panose="020B0604020202020204" pitchFamily="34" charset="0"/>
+              <a:buChar char="•"/>
+            </a:pPr>
+            <a:r>
+              <a:rPr lang="en-US" dirty="0">
+                <a:effectLst/>
+              </a:rPr>
+              <a:t>For some participants it is preferred to be able to use open-source kernel SCTP implementations</a:t>
+            </a:r>
+            <a:br>
+              <a:rPr lang="en-US" dirty="0"/>
+            </a:br>
+            <a:endParaRPr lang="en-US" dirty="0"/>
+          </a:p>
+        </p:txBody>
+      </p:sp>
+    </p:spTree>
+    <p:extLst>
+      <p:ext uri="{BB962C8B-B14F-4D97-AF65-F5344CB8AC3E}">
+        <p14:creationId xmlns:p14="http://schemas.microsoft.com/office/powerpoint/2010/main" val="211260678"/>
+      </p:ext>
+    </p:extLst>
+  </p:cSld>
+  <p:clrMapOvr>
+    <a:masterClrMapping/>
+  </p:clrMapOvr>
+</p:sld>
+</file>
+
+<file path=ppt/slides/slide7.xml><?xml version="1.0" encoding="utf-8"?>
+<p:sld xmlns:a="http://schemas.openxmlformats.org/drawingml/2006/main" xmlns:r="http://schemas.openxmlformats.org/officeDocument/2006/relationships" xmlns:p="http://schemas.openxmlformats.org/presentationml/2006/main">
+  <p:cSld>
+    <p:spTree>
+      <p:nvGrpSpPr>
+        <p:cNvPr id="1" name=""/>
+        <p:cNvGrpSpPr/>
+        <p:nvPr/>
+      </p:nvGrpSpPr>
+      <p:grpSpPr>
+        <a:xfrm>
+          <a:off x="0" y="0"/>
+          <a:ext cx="0" cy="0"/>
+          <a:chOff x="0" y="0"/>
+          <a:chExt cx="0" cy="0"/>
+        </a:xfrm>
+      </p:grpSpPr>
+      <p:sp>
+        <p:nvSpPr>
+          <p:cNvPr id="2" name="Title 1">
+            <a:extLst>
+              <a:ext uri="{FF2B5EF4-FFF2-40B4-BE49-F238E27FC236}">
                 <a16:creationId xmlns:a16="http://schemas.microsoft.com/office/drawing/2014/main" id="{88BD570C-926F-7FA2-2BE6-DDC8641D81B3}"/>
               </a:ext>
             </a:extLst>
@@ -4057,7 +4250,7 @@
         <p:spPr/>
         <p:txBody>
           <a:bodyPr>
-            <a:normAutofit lnSpcReduction="10000"/>
+            <a:normAutofit fontScale="92500" lnSpcReduction="10000"/>
           </a:bodyPr>
           <a:lstStyle/>
           <a:p>
@@ -4069,7 +4262,7 @@
                 <a:effectLst/>
                 <a:latin typeface="Noto Sans" panose="020B0502040504020204" pitchFamily="34" charset="0"/>
               </a:rPr>
-              <a:t>Mutual authentication must be used with periodic re-authentication allowing a certificate update</a:t>
+              <a:t>An on-path attacker being able to replay messages, insert messages, or modify messages is considered.</a:t>
             </a:r>
           </a:p>
           <a:p>
@@ -4081,10 +4274,11 @@
                 <a:effectLst/>
                 <a:latin typeface="Noto Sans" panose="020B0502040504020204" pitchFamily="34" charset="0"/>
               </a:rPr>
-              <a:t>It must the possible to run DH once per hour or every 100GB.</a:t>
-            </a:r>
-          </a:p>
-          <a:p>
+              <a:t>Fundamental</a:t>
+            </a:r>
+          </a:p>
+          <a:p>
+            <a:pPr lvl="1"/>
             <a:r>
               <a:rPr lang="en-US" b="0" i="0" u="none" strike="noStrike" dirty="0">
                 <a:solidFill>
@@ -4093,10 +4287,11 @@
                 <a:effectLst/>
                 <a:latin typeface="Noto Sans" panose="020B0502040504020204" pitchFamily="34" charset="0"/>
               </a:rPr>
-              <a:t>Privacy and integrity is required for user data.</a:t>
-            </a:r>
-          </a:p>
-          <a:p>
+              <a:t>Mutual authentication</a:t>
+            </a:r>
+          </a:p>
+          <a:p>
+            <a:pPr lvl="1"/>
             <a:r>
               <a:rPr lang="en-US" b="0" i="0" u="none" strike="noStrike" dirty="0">
                 <a:solidFill>
@@ -4105,12 +4300,100 @@
                 <a:effectLst/>
                 <a:latin typeface="Noto Sans" panose="020B0502040504020204" pitchFamily="34" charset="0"/>
               </a:rPr>
-              <a:t>An on-path attacker being able to replay messages, insert messages, or modify messages must not be able to affect the availability of the association or change user data.</a:t>
-            </a:r>
-          </a:p>
-          <a:p>
-            <a:r>
-              <a:rPr lang="en-US" b="0" i="0" u="none" strike="noStrike">
+              <a:t>Privacy and integrity is required for user data</a:t>
+            </a:r>
+          </a:p>
+          <a:p>
+            <a:r>
+              <a:rPr lang="en-US" dirty="0">
+                <a:solidFill>
+                  <a:srgbClr val="222222"/>
+                </a:solidFill>
+                <a:latin typeface="Noto Sans" panose="020B0502040504020204" pitchFamily="34" charset="0"/>
+              </a:rPr>
+              <a:t>Best practices for long lived sessions</a:t>
+            </a:r>
+            <a:endParaRPr lang="en-US" b="0" i="0" u="none" strike="noStrike" dirty="0">
+              <a:solidFill>
+                <a:srgbClr val="222222"/>
+              </a:solidFill>
+              <a:effectLst/>
+              <a:latin typeface="Noto Sans" panose="020B0502040504020204" pitchFamily="34" charset="0"/>
+            </a:endParaRPr>
+          </a:p>
+          <a:p>
+            <a:pPr lvl="1"/>
+            <a:r>
+              <a:rPr lang="en-US" dirty="0">
+                <a:solidFill>
+                  <a:srgbClr val="222222"/>
+                </a:solidFill>
+                <a:latin typeface="Noto Sans" panose="020B0502040504020204" pitchFamily="34" charset="0"/>
+              </a:rPr>
+              <a:t>P</a:t>
+            </a:r>
+            <a:r>
+              <a:rPr lang="en-US" b="0" i="0" u="none" strike="noStrike" dirty="0">
+                <a:solidFill>
+                  <a:srgbClr val="222222"/>
+                </a:solidFill>
+                <a:effectLst/>
+                <a:latin typeface="Noto Sans" panose="020B0502040504020204" pitchFamily="34" charset="0"/>
+              </a:rPr>
+              <a:t>eriodic re-authentication, for example allowing a certificate update</a:t>
+            </a:r>
+          </a:p>
+          <a:p>
+            <a:pPr lvl="1"/>
+            <a:r>
+              <a:rPr lang="en-US" b="0" i="0" u="none" strike="noStrike" dirty="0">
+                <a:solidFill>
+                  <a:srgbClr val="222222"/>
+                </a:solidFill>
+                <a:effectLst/>
+                <a:latin typeface="Noto Sans" panose="020B0502040504020204" pitchFamily="34" charset="0"/>
+              </a:rPr>
+              <a:t>It must the possible to run DH once per hour or every 100GB</a:t>
+            </a:r>
+          </a:p>
+          <a:p>
+            <a:r>
+              <a:rPr lang="en-US" b="0" i="0" u="none" strike="noStrike" dirty="0">
+                <a:solidFill>
+                  <a:srgbClr val="222222"/>
+                </a:solidFill>
+                <a:effectLst/>
+                <a:latin typeface="Noto Sans" panose="020B0502040504020204" pitchFamily="34" charset="0"/>
+              </a:rPr>
+              <a:t>Availability</a:t>
+            </a:r>
+          </a:p>
+          <a:p>
+            <a:pPr lvl="1"/>
+            <a:r>
+              <a:rPr lang="en-US" dirty="0">
+                <a:solidFill>
+                  <a:srgbClr val="222222"/>
+                </a:solidFill>
+                <a:latin typeface="Noto Sans" panose="020B0502040504020204" pitchFamily="34" charset="0"/>
+              </a:rPr>
+              <a:t>Replay or injection must not </a:t>
+            </a:r>
+            <a:r>
+              <a:rPr lang="en-US" b="0" i="0" u="none" strike="noStrike" dirty="0">
+                <a:solidFill>
+                  <a:srgbClr val="222222"/>
+                </a:solidFill>
+                <a:effectLst/>
+                <a:latin typeface="Noto Sans" panose="020B0502040504020204" pitchFamily="34" charset="0"/>
+              </a:rPr>
+              <a:t>affect the availability of the association.</a:t>
+            </a:r>
+          </a:p>
+          <a:p>
+            <a:pPr lvl="1"/>
+            <a:r>
+              <a:rPr lang="en-US" b="0" i="0" u="none" strike="noStrike" dirty="0">
                 <a:solidFill>
                   <a:srgbClr val="222222"/>
                 </a:solidFill>
@@ -4135,7 +4418,7 @@
 </p:sld>
 </file>
 
-<file path=ppt/slides/slide6.xml><?xml version="1.0" encoding="utf-8"?>
+<file path=ppt/slides/slide8.xml><?xml version="1.0" encoding="utf-8"?>
 <p:sld xmlns:a="http://schemas.openxmlformats.org/drawingml/2006/main" xmlns:r="http://schemas.openxmlformats.org/officeDocument/2006/relationships" xmlns:p="http://schemas.openxmlformats.org/presentationml/2006/main">
   <p:cSld>
     <p:spTree>

--- a/SCTP_DTLS_REQ.pptx
+++ b/SCTP_DTLS_REQ.pptx
@@ -1,9 +1,12 @@
 
 <file path=ppt/presentation.xml><?xml version="1.0" encoding="utf-8"?>
-<p:presentation xmlns:a="http://schemas.openxmlformats.org/drawingml/2006/main" xmlns:r="http://schemas.openxmlformats.org/officeDocument/2006/relationships" xmlns:p="http://schemas.openxmlformats.org/presentationml/2006/main" saveSubsetFonts="1" autoCompressPictures="0">
+<p:presentation xmlns:a="http://schemas.openxmlformats.org/drawingml/2006/main" xmlns:r="http://schemas.openxmlformats.org/officeDocument/2006/relationships" xmlns:p="http://schemas.openxmlformats.org/presentationml/2006/main" firstSlideNum="0" showSpecialPlsOnTitleSld="0" saveSubsetFonts="1" autoCompressPictures="0">
   <p:sldMasterIdLst>
     <p:sldMasterId id="2147483648" r:id="rId1"/>
   </p:sldMasterIdLst>
+  <p:notesMasterIdLst>
+    <p:notesMasterId r:id="rId10"/>
+  </p:notesMasterIdLst>
   <p:sldIdLst>
     <p:sldId id="256" r:id="rId2"/>
     <p:sldId id="257" r:id="rId3"/>
@@ -119,6 +122,355 @@
 </p:presentation>
 </file>
 
+<file path=ppt/notesMasters/notesMaster1.xml><?xml version="1.0" encoding="utf-8"?>
+<p:notesMaster xmlns:a="http://schemas.openxmlformats.org/drawingml/2006/main" xmlns:r="http://schemas.openxmlformats.org/officeDocument/2006/relationships" xmlns:p="http://schemas.openxmlformats.org/presentationml/2006/main">
+  <p:cSld>
+    <p:bg>
+      <p:bgRef idx="1001">
+        <a:schemeClr val="bg1"/>
+      </p:bgRef>
+    </p:bg>
+    <p:spTree>
+      <p:nvGrpSpPr>
+        <p:cNvPr id="1" name=""/>
+        <p:cNvGrpSpPr/>
+        <p:nvPr/>
+      </p:nvGrpSpPr>
+      <p:grpSpPr>
+        <a:xfrm>
+          <a:off x="0" y="0"/>
+          <a:ext cx="0" cy="0"/>
+          <a:chOff x="0" y="0"/>
+          <a:chExt cx="0" cy="0"/>
+        </a:xfrm>
+      </p:grpSpPr>
+      <p:sp>
+        <p:nvSpPr>
+          <p:cNvPr id="2" name="Header Placeholder 1"/>
+          <p:cNvSpPr>
+            <a:spLocks noGrp="1"/>
+          </p:cNvSpPr>
+          <p:nvPr>
+            <p:ph type="hdr" sz="quarter"/>
+          </p:nvPr>
+        </p:nvSpPr>
+        <p:spPr>
+          <a:xfrm>
+            <a:off x="0" y="0"/>
+            <a:ext cx="2971800" cy="458788"/>
+          </a:xfrm>
+          <a:prstGeom prst="rect">
+            <a:avLst/>
+          </a:prstGeom>
+        </p:spPr>
+        <p:txBody>
+          <a:bodyPr vert="horz" lIns="91440" tIns="45720" rIns="91440" bIns="45720" rtlCol="0"/>
+          <a:lstStyle>
+            <a:lvl1pPr algn="l">
+              <a:defRPr sz="1200"/>
+            </a:lvl1pPr>
+          </a:lstStyle>
+          <a:p>
+            <a:endParaRPr lang="en-US"/>
+          </a:p>
+        </p:txBody>
+      </p:sp>
+      <p:sp>
+        <p:nvSpPr>
+          <p:cNvPr id="3" name="Date Placeholder 2"/>
+          <p:cNvSpPr>
+            <a:spLocks noGrp="1"/>
+          </p:cNvSpPr>
+          <p:nvPr>
+            <p:ph type="dt" idx="1"/>
+          </p:nvPr>
+        </p:nvSpPr>
+        <p:spPr>
+          <a:xfrm>
+            <a:off x="3884613" y="0"/>
+            <a:ext cx="2971800" cy="458788"/>
+          </a:xfrm>
+          <a:prstGeom prst="rect">
+            <a:avLst/>
+          </a:prstGeom>
+        </p:spPr>
+        <p:txBody>
+          <a:bodyPr vert="horz" lIns="91440" tIns="45720" rIns="91440" bIns="45720" rtlCol="0"/>
+          <a:lstStyle>
+            <a:lvl1pPr algn="r">
+              <a:defRPr sz="1200"/>
+            </a:lvl1pPr>
+          </a:lstStyle>
+          <a:p>
+            <a:fld id="{108AD09B-7AB8-CC42-A1BA-7C68369AC918}" type="datetimeFigureOut">
+              <a:rPr lang="en-US" smtClean="0"/>
+              <a:t>10/27/23</a:t>
+            </a:fld>
+            <a:endParaRPr lang="en-US"/>
+          </a:p>
+        </p:txBody>
+      </p:sp>
+      <p:sp>
+        <p:nvSpPr>
+          <p:cNvPr id="4" name="Slide Image Placeholder 3"/>
+          <p:cNvSpPr>
+            <a:spLocks noGrp="1" noRot="1" noChangeAspect="1"/>
+          </p:cNvSpPr>
+          <p:nvPr>
+            <p:ph type="sldImg" idx="2"/>
+          </p:nvPr>
+        </p:nvSpPr>
+        <p:spPr>
+          <a:xfrm>
+            <a:off x="685800" y="1143000"/>
+            <a:ext cx="5486400" cy="3086100"/>
+          </a:xfrm>
+          <a:prstGeom prst="rect">
+            <a:avLst/>
+          </a:prstGeom>
+          <a:noFill/>
+          <a:ln w="12700">
+            <a:solidFill>
+              <a:prstClr val="black"/>
+            </a:solidFill>
+          </a:ln>
+        </p:spPr>
+        <p:txBody>
+          <a:bodyPr vert="horz" lIns="91440" tIns="45720" rIns="91440" bIns="45720" rtlCol="0" anchor="ctr"/>
+          <a:lstStyle/>
+          <a:p>
+            <a:endParaRPr lang="en-US"/>
+          </a:p>
+        </p:txBody>
+      </p:sp>
+      <p:sp>
+        <p:nvSpPr>
+          <p:cNvPr id="5" name="Notes Placeholder 4"/>
+          <p:cNvSpPr>
+            <a:spLocks noGrp="1"/>
+          </p:cNvSpPr>
+          <p:nvPr>
+            <p:ph type="body" sz="quarter" idx="3"/>
+          </p:nvPr>
+        </p:nvSpPr>
+        <p:spPr>
+          <a:xfrm>
+            <a:off x="685800" y="4400550"/>
+            <a:ext cx="5486400" cy="3600450"/>
+          </a:xfrm>
+          <a:prstGeom prst="rect">
+            <a:avLst/>
+          </a:prstGeom>
+        </p:spPr>
+        <p:txBody>
+          <a:bodyPr vert="horz" lIns="91440" tIns="45720" rIns="91440" bIns="45720" rtlCol="0"/>
+          <a:lstStyle/>
+          <a:p>
+            <a:pPr lvl="0"/>
+            <a:r>
+              <a:rPr lang="en-US"/>
+              <a:t>Click to edit Master text styles</a:t>
+            </a:r>
+          </a:p>
+          <a:p>
+            <a:pPr lvl="1"/>
+            <a:r>
+              <a:rPr lang="en-US"/>
+              <a:t>Second level</a:t>
+            </a:r>
+          </a:p>
+          <a:p>
+            <a:pPr lvl="2"/>
+            <a:r>
+              <a:rPr lang="en-US"/>
+              <a:t>Third level</a:t>
+            </a:r>
+          </a:p>
+          <a:p>
+            <a:pPr lvl="3"/>
+            <a:r>
+              <a:rPr lang="en-US"/>
+              <a:t>Fourth level</a:t>
+            </a:r>
+          </a:p>
+          <a:p>
+            <a:pPr lvl="4"/>
+            <a:r>
+              <a:rPr lang="en-US"/>
+              <a:t>Fifth level</a:t>
+            </a:r>
+          </a:p>
+        </p:txBody>
+      </p:sp>
+      <p:sp>
+        <p:nvSpPr>
+          <p:cNvPr id="6" name="Footer Placeholder 5"/>
+          <p:cNvSpPr>
+            <a:spLocks noGrp="1"/>
+          </p:cNvSpPr>
+          <p:nvPr>
+            <p:ph type="ftr" sz="quarter" idx="4"/>
+          </p:nvPr>
+        </p:nvSpPr>
+        <p:spPr>
+          <a:xfrm>
+            <a:off x="0" y="8685213"/>
+            <a:ext cx="2971800" cy="458787"/>
+          </a:xfrm>
+          <a:prstGeom prst="rect">
+            <a:avLst/>
+          </a:prstGeom>
+        </p:spPr>
+        <p:txBody>
+          <a:bodyPr vert="horz" lIns="91440" tIns="45720" rIns="91440" bIns="45720" rtlCol="0" anchor="b"/>
+          <a:lstStyle>
+            <a:lvl1pPr algn="l">
+              <a:defRPr sz="1200"/>
+            </a:lvl1pPr>
+          </a:lstStyle>
+          <a:p>
+            <a:endParaRPr lang="en-US"/>
+          </a:p>
+        </p:txBody>
+      </p:sp>
+      <p:sp>
+        <p:nvSpPr>
+          <p:cNvPr id="7" name="Slide Number Placeholder 6"/>
+          <p:cNvSpPr>
+            <a:spLocks noGrp="1"/>
+          </p:cNvSpPr>
+          <p:nvPr>
+            <p:ph type="sldNum" sz="quarter" idx="5"/>
+          </p:nvPr>
+        </p:nvSpPr>
+        <p:spPr>
+          <a:xfrm>
+            <a:off x="3884613" y="8685213"/>
+            <a:ext cx="2971800" cy="458787"/>
+          </a:xfrm>
+          <a:prstGeom prst="rect">
+            <a:avLst/>
+          </a:prstGeom>
+        </p:spPr>
+        <p:txBody>
+          <a:bodyPr vert="horz" lIns="91440" tIns="45720" rIns="91440" bIns="45720" rtlCol="0" anchor="b"/>
+          <a:lstStyle>
+            <a:lvl1pPr algn="r">
+              <a:defRPr sz="1200"/>
+            </a:lvl1pPr>
+          </a:lstStyle>
+          <a:p>
+            <a:fld id="{EA7BF329-D89C-6348-B5EC-82739E6B907F}" type="slidenum">
+              <a:rPr lang="en-US" smtClean="0"/>
+              <a:t>‹#›</a:t>
+            </a:fld>
+            <a:endParaRPr lang="en-US"/>
+          </a:p>
+        </p:txBody>
+      </p:sp>
+    </p:spTree>
+    <p:extLst>
+      <p:ext uri="{BB962C8B-B14F-4D97-AF65-F5344CB8AC3E}">
+        <p14:creationId xmlns:p14="http://schemas.microsoft.com/office/powerpoint/2010/main" val="4103948074"/>
+      </p:ext>
+    </p:extLst>
+  </p:cSld>
+  <p:clrMap bg1="lt1" tx1="dk1" bg2="lt2" tx2="dk2" accent1="accent1" accent2="accent2" accent3="accent3" accent4="accent4" accent5="accent5" accent6="accent6" hlink="hlink" folHlink="folHlink"/>
+  <p:notesStyle>
+    <a:lvl1pPr marL="0" algn="l" defTabSz="914400" rtl="0" eaLnBrk="1" latinLnBrk="0" hangingPunct="1">
+      <a:defRPr sz="1200" kern="1200">
+        <a:solidFill>
+          <a:schemeClr val="tx1"/>
+        </a:solidFill>
+        <a:latin typeface="+mn-lt"/>
+        <a:ea typeface="+mn-ea"/>
+        <a:cs typeface="+mn-cs"/>
+      </a:defRPr>
+    </a:lvl1pPr>
+    <a:lvl2pPr marL="457200" algn="l" defTabSz="914400" rtl="0" eaLnBrk="1" latinLnBrk="0" hangingPunct="1">
+      <a:defRPr sz="1200" kern="1200">
+        <a:solidFill>
+          <a:schemeClr val="tx1"/>
+        </a:solidFill>
+        <a:latin typeface="+mn-lt"/>
+        <a:ea typeface="+mn-ea"/>
+        <a:cs typeface="+mn-cs"/>
+      </a:defRPr>
+    </a:lvl2pPr>
+    <a:lvl3pPr marL="914400" algn="l" defTabSz="914400" rtl="0" eaLnBrk="1" latinLnBrk="0" hangingPunct="1">
+      <a:defRPr sz="1200" kern="1200">
+        <a:solidFill>
+          <a:schemeClr val="tx1"/>
+        </a:solidFill>
+        <a:latin typeface="+mn-lt"/>
+        <a:ea typeface="+mn-ea"/>
+        <a:cs typeface="+mn-cs"/>
+      </a:defRPr>
+    </a:lvl3pPr>
+    <a:lvl4pPr marL="1371600" algn="l" defTabSz="914400" rtl="0" eaLnBrk="1" latinLnBrk="0" hangingPunct="1">
+      <a:defRPr sz="1200" kern="1200">
+        <a:solidFill>
+          <a:schemeClr val="tx1"/>
+        </a:solidFill>
+        <a:latin typeface="+mn-lt"/>
+        <a:ea typeface="+mn-ea"/>
+        <a:cs typeface="+mn-cs"/>
+      </a:defRPr>
+    </a:lvl4pPr>
+    <a:lvl5pPr marL="1828800" algn="l" defTabSz="914400" rtl="0" eaLnBrk="1" latinLnBrk="0" hangingPunct="1">
+      <a:defRPr sz="1200" kern="1200">
+        <a:solidFill>
+          <a:schemeClr val="tx1"/>
+        </a:solidFill>
+        <a:latin typeface="+mn-lt"/>
+        <a:ea typeface="+mn-ea"/>
+        <a:cs typeface="+mn-cs"/>
+      </a:defRPr>
+    </a:lvl5pPr>
+    <a:lvl6pPr marL="2286000" algn="l" defTabSz="914400" rtl="0" eaLnBrk="1" latinLnBrk="0" hangingPunct="1">
+      <a:defRPr sz="1200" kern="1200">
+        <a:solidFill>
+          <a:schemeClr val="tx1"/>
+        </a:solidFill>
+        <a:latin typeface="+mn-lt"/>
+        <a:ea typeface="+mn-ea"/>
+        <a:cs typeface="+mn-cs"/>
+      </a:defRPr>
+    </a:lvl6pPr>
+    <a:lvl7pPr marL="2743200" algn="l" defTabSz="914400" rtl="0" eaLnBrk="1" latinLnBrk="0" hangingPunct="1">
+      <a:defRPr sz="1200" kern="1200">
+        <a:solidFill>
+          <a:schemeClr val="tx1"/>
+        </a:solidFill>
+        <a:latin typeface="+mn-lt"/>
+        <a:ea typeface="+mn-ea"/>
+        <a:cs typeface="+mn-cs"/>
+      </a:defRPr>
+    </a:lvl7pPr>
+    <a:lvl8pPr marL="3200400" algn="l" defTabSz="914400" rtl="0" eaLnBrk="1" latinLnBrk="0" hangingPunct="1">
+      <a:defRPr sz="1200" kern="1200">
+        <a:solidFill>
+          <a:schemeClr val="tx1"/>
+        </a:solidFill>
+        <a:latin typeface="+mn-lt"/>
+        <a:ea typeface="+mn-ea"/>
+        <a:cs typeface="+mn-cs"/>
+      </a:defRPr>
+    </a:lvl8pPr>
+    <a:lvl9pPr marL="3657600" algn="l" defTabSz="914400" rtl="0" eaLnBrk="1" latinLnBrk="0" hangingPunct="1">
+      <a:defRPr sz="1200" kern="1200">
+        <a:solidFill>
+          <a:schemeClr val="tx1"/>
+        </a:solidFill>
+        <a:latin typeface="+mn-lt"/>
+        <a:ea typeface="+mn-ea"/>
+        <a:cs typeface="+mn-cs"/>
+      </a:defRPr>
+    </a:lvl9pPr>
+  </p:notesStyle>
+</p:notesMaster>
+</file>
+
 <file path=ppt/slideLayouts/slideLayout1.xml><?xml version="1.0" encoding="utf-8"?>
 <p:sldLayout xmlns:a="http://schemas.openxmlformats.org/drawingml/2006/main" xmlns:r="http://schemas.openxmlformats.org/officeDocument/2006/relationships" xmlns:p="http://schemas.openxmlformats.org/presentationml/2006/main" type="title" preserve="1">
   <p:cSld name="Title Slide">
@@ -264,7 +616,7 @@
           <a:bodyPr/>
           <a:lstStyle/>
           <a:p>
-            <a:fld id="{6533F464-AFE6-B04E-8DF9-709F02B0A2D0}" type="datetimeFigureOut">
+            <a:fld id="{A8F7BD6E-364A-514B-905D-15DBF3E67648}" type="datetime1">
               <a:rPr lang="en-US" smtClean="0"/>
               <a:t>10/27/23</a:t>
             </a:fld>
@@ -462,7 +814,7 @@
           <a:bodyPr/>
           <a:lstStyle/>
           <a:p>
-            <a:fld id="{6533F464-AFE6-B04E-8DF9-709F02B0A2D0}" type="datetimeFigureOut">
+            <a:fld id="{F61C2FBE-B8D6-D547-9282-9EC77743BC0A}" type="datetime1">
               <a:rPr lang="en-US" smtClean="0"/>
               <a:t>10/27/23</a:t>
             </a:fld>
@@ -670,7 +1022,7 @@
           <a:bodyPr/>
           <a:lstStyle/>
           <a:p>
-            <a:fld id="{6533F464-AFE6-B04E-8DF9-709F02B0A2D0}" type="datetimeFigureOut">
+            <a:fld id="{C531A4A5-E0CC-6A44-8D5B-7470DEE9150D}" type="datetime1">
               <a:rPr lang="en-US" smtClean="0"/>
               <a:t>10/27/23</a:t>
             </a:fld>
@@ -868,7 +1220,7 @@
           <a:bodyPr/>
           <a:lstStyle/>
           <a:p>
-            <a:fld id="{6533F464-AFE6-B04E-8DF9-709F02B0A2D0}" type="datetimeFigureOut">
+            <a:fld id="{0FD05AA0-7A0A-A240-95B0-41C4FC7FEF3F}" type="datetime1">
               <a:rPr lang="en-US" smtClean="0"/>
               <a:t>10/27/23</a:t>
             </a:fld>
@@ -1143,7 +1495,7 @@
           <a:bodyPr/>
           <a:lstStyle/>
           <a:p>
-            <a:fld id="{6533F464-AFE6-B04E-8DF9-709F02B0A2D0}" type="datetimeFigureOut">
+            <a:fld id="{492F5F67-E4E1-0B46-A541-0286580506DC}" type="datetime1">
               <a:rPr lang="en-US" smtClean="0"/>
               <a:t>10/27/23</a:t>
             </a:fld>
@@ -1408,7 +1760,7 @@
           <a:bodyPr/>
           <a:lstStyle/>
           <a:p>
-            <a:fld id="{6533F464-AFE6-B04E-8DF9-709F02B0A2D0}" type="datetimeFigureOut">
+            <a:fld id="{CD6E3338-B931-A843-9726-3D4933BBE2B6}" type="datetime1">
               <a:rPr lang="en-US" smtClean="0"/>
               <a:t>10/27/23</a:t>
             </a:fld>
@@ -1820,7 +2172,7 @@
           <a:bodyPr/>
           <a:lstStyle/>
           <a:p>
-            <a:fld id="{6533F464-AFE6-B04E-8DF9-709F02B0A2D0}" type="datetimeFigureOut">
+            <a:fld id="{998F852E-6523-104E-943C-AD0A8BADDFF7}" type="datetime1">
               <a:rPr lang="en-US" smtClean="0"/>
               <a:t>10/27/23</a:t>
             </a:fld>
@@ -1961,7 +2313,7 @@
           <a:bodyPr/>
           <a:lstStyle/>
           <a:p>
-            <a:fld id="{6533F464-AFE6-B04E-8DF9-709F02B0A2D0}" type="datetimeFigureOut">
+            <a:fld id="{00715B09-F454-1B43-BA14-0C163C35D17B}" type="datetime1">
               <a:rPr lang="en-US" smtClean="0"/>
               <a:t>10/27/23</a:t>
             </a:fld>
@@ -2074,7 +2426,7 @@
           <a:bodyPr/>
           <a:lstStyle/>
           <a:p>
-            <a:fld id="{6533F464-AFE6-B04E-8DF9-709F02B0A2D0}" type="datetimeFigureOut">
+            <a:fld id="{45D3E245-F198-854E-AE1F-11D9862087BE}" type="datetime1">
               <a:rPr lang="en-US" smtClean="0"/>
               <a:t>10/27/23</a:t>
             </a:fld>
@@ -2385,7 +2737,7 @@
           <a:bodyPr/>
           <a:lstStyle/>
           <a:p>
-            <a:fld id="{6533F464-AFE6-B04E-8DF9-709F02B0A2D0}" type="datetimeFigureOut">
+            <a:fld id="{1CDA9BB8-81E0-C14F-B5A7-21E310CC6BEA}" type="datetime1">
               <a:rPr lang="en-US" smtClean="0"/>
               <a:t>10/27/23</a:t>
             </a:fld>
@@ -2673,7 +3025,7 @@
           <a:bodyPr/>
           <a:lstStyle/>
           <a:p>
-            <a:fld id="{6533F464-AFE6-B04E-8DF9-709F02B0A2D0}" type="datetimeFigureOut">
+            <a:fld id="{35BD4846-0B22-E244-9BD2-C2A2A852C121}" type="datetime1">
               <a:rPr lang="en-US" smtClean="0"/>
               <a:t>10/27/23</a:t>
             </a:fld>
@@ -2914,7 +3266,7 @@
             </a:lvl1pPr>
           </a:lstStyle>
           <a:p>
-            <a:fld id="{6533F464-AFE6-B04E-8DF9-709F02B0A2D0}" type="datetimeFigureOut">
+            <a:fld id="{C37BE4AB-D615-A94C-AEE2-AC91B9864A50}" type="datetime1">
               <a:rPr lang="en-US" smtClean="0"/>
               <a:t>10/27/23</a:t>
             </a:fld>
@@ -3033,6 +3385,7 @@
     <p:sldLayoutId id="2147483658" r:id="rId10"/>
     <p:sldLayoutId id="2147483659" r:id="rId11"/>
   </p:sldLayoutIdLst>
+  <p:hf hdr="0" ftr="0" dt="0"/>
   <p:txStyles>
     <p:titleStyle>
       <a:lvl1pPr algn="l" defTabSz="914400" rtl="0" eaLnBrk="1" latinLnBrk="0" hangingPunct="1">
@@ -3735,6 +4088,35 @@
           </a:p>
         </p:txBody>
       </p:sp>
+      <p:sp>
+        <p:nvSpPr>
+          <p:cNvPr id="4" name="Slide Number Placeholder 3">
+            <a:extLst>
+              <a:ext uri="{FF2B5EF4-FFF2-40B4-BE49-F238E27FC236}">
+                <a16:creationId xmlns:a16="http://schemas.microsoft.com/office/drawing/2014/main" id="{D82ADF7A-831B-EE2D-E443-F3AE240CAA98}"/>
+              </a:ext>
+            </a:extLst>
+          </p:cNvPr>
+          <p:cNvSpPr>
+            <a:spLocks noGrp="1"/>
+          </p:cNvSpPr>
+          <p:nvPr>
+            <p:ph type="sldNum" sz="quarter" idx="12"/>
+          </p:nvPr>
+        </p:nvSpPr>
+        <p:spPr/>
+        <p:txBody>
+          <a:bodyPr/>
+          <a:lstStyle/>
+          <a:p>
+            <a:fld id="{85EFE21A-7D36-5F4B-860F-8EDB2266837F}" type="slidenum">
+              <a:rPr lang="en-US" smtClean="0"/>
+              <a:t>1</a:t>
+            </a:fld>
+            <a:endParaRPr lang="en-US"/>
+          </a:p>
+        </p:txBody>
+      </p:sp>
     </p:spTree>
     <p:extLst>
       <p:ext uri="{BB962C8B-B14F-4D97-AF65-F5344CB8AC3E}">
@@ -3847,6 +4229,35 @@
           </a:p>
         </p:txBody>
       </p:sp>
+      <p:sp>
+        <p:nvSpPr>
+          <p:cNvPr id="4" name="Slide Number Placeholder 3">
+            <a:extLst>
+              <a:ext uri="{FF2B5EF4-FFF2-40B4-BE49-F238E27FC236}">
+                <a16:creationId xmlns:a16="http://schemas.microsoft.com/office/drawing/2014/main" id="{6A13F83B-BAA8-95EA-4234-859B3F7C676C}"/>
+              </a:ext>
+            </a:extLst>
+          </p:cNvPr>
+          <p:cNvSpPr>
+            <a:spLocks noGrp="1"/>
+          </p:cNvSpPr>
+          <p:nvPr>
+            <p:ph type="sldNum" sz="quarter" idx="12"/>
+          </p:nvPr>
+        </p:nvSpPr>
+        <p:spPr/>
+        <p:txBody>
+          <a:bodyPr/>
+          <a:lstStyle/>
+          <a:p>
+            <a:fld id="{85EFE21A-7D36-5F4B-860F-8EDB2266837F}" type="slidenum">
+              <a:rPr lang="en-US" smtClean="0"/>
+              <a:t>2</a:t>
+            </a:fld>
+            <a:endParaRPr lang="en-US"/>
+          </a:p>
+        </p:txBody>
+      </p:sp>
     </p:spTree>
     <p:extLst>
       <p:ext uri="{BB962C8B-B14F-4D97-AF65-F5344CB8AC3E}">
@@ -3939,6 +4350,35 @@
           </a:p>
         </p:txBody>
       </p:sp>
+      <p:sp>
+        <p:nvSpPr>
+          <p:cNvPr id="4" name="Slide Number Placeholder 3">
+            <a:extLst>
+              <a:ext uri="{FF2B5EF4-FFF2-40B4-BE49-F238E27FC236}">
+                <a16:creationId xmlns:a16="http://schemas.microsoft.com/office/drawing/2014/main" id="{519A0368-6049-20F0-1DB5-12ABFF39F479}"/>
+              </a:ext>
+            </a:extLst>
+          </p:cNvPr>
+          <p:cNvSpPr>
+            <a:spLocks noGrp="1"/>
+          </p:cNvSpPr>
+          <p:nvPr>
+            <p:ph type="sldNum" sz="quarter" idx="12"/>
+          </p:nvPr>
+        </p:nvSpPr>
+        <p:spPr/>
+        <p:txBody>
+          <a:bodyPr/>
+          <a:lstStyle/>
+          <a:p>
+            <a:fld id="{85EFE21A-7D36-5F4B-860F-8EDB2266837F}" type="slidenum">
+              <a:rPr lang="en-US" smtClean="0"/>
+              <a:t>3</a:t>
+            </a:fld>
+            <a:endParaRPr lang="en-US"/>
+          </a:p>
+        </p:txBody>
+      </p:sp>
     </p:spTree>
     <p:extLst>
       <p:ext uri="{BB962C8B-B14F-4D97-AF65-F5344CB8AC3E}">
@@ -4066,6 +4506,35 @@
           </a:p>
         </p:txBody>
       </p:sp>
+      <p:sp>
+        <p:nvSpPr>
+          <p:cNvPr id="4" name="Slide Number Placeholder 3">
+            <a:extLst>
+              <a:ext uri="{FF2B5EF4-FFF2-40B4-BE49-F238E27FC236}">
+                <a16:creationId xmlns:a16="http://schemas.microsoft.com/office/drawing/2014/main" id="{D81E86BC-ECD1-EC8C-3E25-2A126B35D42F}"/>
+              </a:ext>
+            </a:extLst>
+          </p:cNvPr>
+          <p:cNvSpPr>
+            <a:spLocks noGrp="1"/>
+          </p:cNvSpPr>
+          <p:nvPr>
+            <p:ph type="sldNum" sz="quarter" idx="12"/>
+          </p:nvPr>
+        </p:nvSpPr>
+        <p:spPr/>
+        <p:txBody>
+          <a:bodyPr/>
+          <a:lstStyle/>
+          <a:p>
+            <a:fld id="{85EFE21A-7D36-5F4B-860F-8EDB2266837F}" type="slidenum">
+              <a:rPr lang="en-US" smtClean="0"/>
+              <a:t>4</a:t>
+            </a:fld>
+            <a:endParaRPr lang="en-US"/>
+          </a:p>
+        </p:txBody>
+      </p:sp>
     </p:spTree>
     <p:extLst>
       <p:ext uri="{BB962C8B-B14F-4D97-AF65-F5344CB8AC3E}">
@@ -4173,6 +4642,35 @@
           </a:p>
         </p:txBody>
       </p:sp>
+      <p:sp>
+        <p:nvSpPr>
+          <p:cNvPr id="4" name="Slide Number Placeholder 3">
+            <a:extLst>
+              <a:ext uri="{FF2B5EF4-FFF2-40B4-BE49-F238E27FC236}">
+                <a16:creationId xmlns:a16="http://schemas.microsoft.com/office/drawing/2014/main" id="{80A73420-E304-34D9-B5E3-D70DA783626A}"/>
+              </a:ext>
+            </a:extLst>
+          </p:cNvPr>
+          <p:cNvSpPr>
+            <a:spLocks noGrp="1"/>
+          </p:cNvSpPr>
+          <p:nvPr>
+            <p:ph type="sldNum" sz="quarter" idx="12"/>
+          </p:nvPr>
+        </p:nvSpPr>
+        <p:spPr/>
+        <p:txBody>
+          <a:bodyPr/>
+          <a:lstStyle/>
+          <a:p>
+            <a:fld id="{85EFE21A-7D36-5F4B-860F-8EDB2266837F}" type="slidenum">
+              <a:rPr lang="en-US" smtClean="0"/>
+              <a:t>5</a:t>
+            </a:fld>
+            <a:endParaRPr lang="en-US"/>
+          </a:p>
+        </p:txBody>
+      </p:sp>
     </p:spTree>
     <p:extLst>
       <p:ext uri="{BB962C8B-B14F-4D97-AF65-F5344CB8AC3E}">
@@ -4405,6 +4903,35 @@
           </a:p>
         </p:txBody>
       </p:sp>
+      <p:sp>
+        <p:nvSpPr>
+          <p:cNvPr id="4" name="Slide Number Placeholder 3">
+            <a:extLst>
+              <a:ext uri="{FF2B5EF4-FFF2-40B4-BE49-F238E27FC236}">
+                <a16:creationId xmlns:a16="http://schemas.microsoft.com/office/drawing/2014/main" id="{C7E87A53-2C6D-740A-9668-18465FAB97B4}"/>
+              </a:ext>
+            </a:extLst>
+          </p:cNvPr>
+          <p:cNvSpPr>
+            <a:spLocks noGrp="1"/>
+          </p:cNvSpPr>
+          <p:nvPr>
+            <p:ph type="sldNum" sz="quarter" idx="12"/>
+          </p:nvPr>
+        </p:nvSpPr>
+        <p:spPr/>
+        <p:txBody>
+          <a:bodyPr/>
+          <a:lstStyle/>
+          <a:p>
+            <a:fld id="{85EFE21A-7D36-5F4B-860F-8EDB2266837F}" type="slidenum">
+              <a:rPr lang="en-US" smtClean="0"/>
+              <a:t>6</a:t>
+            </a:fld>
+            <a:endParaRPr lang="en-US"/>
+          </a:p>
+        </p:txBody>
+      </p:sp>
     </p:spTree>
     <p:extLst>
       <p:ext uri="{BB962C8B-B14F-4D97-AF65-F5344CB8AC3E}">
@@ -4494,6 +5021,35 @@
               <a:rPr lang="en-US" dirty="0"/>
               <a:t>For some participants it is preferred to use unmodified DTLS implementations</a:t>
             </a:r>
+          </a:p>
+        </p:txBody>
+      </p:sp>
+      <p:sp>
+        <p:nvSpPr>
+          <p:cNvPr id="4" name="Slide Number Placeholder 3">
+            <a:extLst>
+              <a:ext uri="{FF2B5EF4-FFF2-40B4-BE49-F238E27FC236}">
+                <a16:creationId xmlns:a16="http://schemas.microsoft.com/office/drawing/2014/main" id="{7DEB7D17-0C47-9511-47EC-A56A14EC16B3}"/>
+              </a:ext>
+            </a:extLst>
+          </p:cNvPr>
+          <p:cNvSpPr>
+            <a:spLocks noGrp="1"/>
+          </p:cNvSpPr>
+          <p:nvPr>
+            <p:ph type="sldNum" sz="quarter" idx="12"/>
+          </p:nvPr>
+        </p:nvSpPr>
+        <p:spPr/>
+        <p:txBody>
+          <a:bodyPr/>
+          <a:lstStyle/>
+          <a:p>
+            <a:fld id="{85EFE21A-7D36-5F4B-860F-8EDB2266837F}" type="slidenum">
+              <a:rPr lang="en-US" smtClean="0"/>
+              <a:t>7</a:t>
+            </a:fld>
+            <a:endParaRPr lang="en-US"/>
           </a:p>
         </p:txBody>
       </p:sp>
@@ -4803,4 +5359,299 @@
     </a:ext>
   </a:extLst>
 </a:theme>
+</file>
+
+<file path=ppt/theme/theme2.xml><?xml version="1.0" encoding="utf-8"?>
+<a:theme xmlns:a="http://schemas.openxmlformats.org/drawingml/2006/main" name="Office Theme">
+  <a:themeElements>
+    <a:clrScheme name="Office">
+      <a:dk1>
+        <a:sysClr val="windowText" lastClr="000000"/>
+      </a:dk1>
+      <a:lt1>
+        <a:sysClr val="window" lastClr="FFFFFF"/>
+      </a:lt1>
+      <a:dk2>
+        <a:srgbClr val="44546A"/>
+      </a:dk2>
+      <a:lt2>
+        <a:srgbClr val="E7E6E6"/>
+      </a:lt2>
+      <a:accent1>
+        <a:srgbClr val="4472C4"/>
+      </a:accent1>
+      <a:accent2>
+        <a:srgbClr val="ED7D31"/>
+      </a:accent2>
+      <a:accent3>
+        <a:srgbClr val="A5A5A5"/>
+      </a:accent3>
+      <a:accent4>
+        <a:srgbClr val="FFC000"/>
+      </a:accent4>
+      <a:accent5>
+        <a:srgbClr val="5B9BD5"/>
+      </a:accent5>
+      <a:accent6>
+        <a:srgbClr val="70AD47"/>
+      </a:accent6>
+      <a:hlink>
+        <a:srgbClr val="0563C1"/>
+      </a:hlink>
+      <a:folHlink>
+        <a:srgbClr val="954F72"/>
+      </a:folHlink>
+    </a:clrScheme>
+    <a:fontScheme name="Office">
+      <a:majorFont>
+        <a:latin typeface="Calibri Light" panose="020F0302020204030204"/>
+        <a:ea typeface=""/>
+        <a:cs typeface=""/>
+        <a:font script="Jpan" typeface="游ゴシック Light"/>
+        <a:font script="Hang" typeface="맑은 고딕"/>
+        <a:font script="Hans" typeface="等线 Light"/>
+        <a:font script="Hant" typeface="新細明體"/>
+        <a:font script="Arab" typeface="Times New Roman"/>
+        <a:font script="Hebr" typeface="Times New Roman"/>
+        <a:font script="Thai" typeface="Angsana New"/>
+        <a:font script="Ethi" typeface="Nyala"/>
+        <a:font script="Beng" typeface="Vrinda"/>
+        <a:font script="Gujr" typeface="Shruti"/>
+        <a:font script="Khmr" typeface="MoolBoran"/>
+        <a:font script="Knda" typeface="Tunga"/>
+        <a:font script="Guru" typeface="Raavi"/>
+        <a:font script="Cans" typeface="Euphemia"/>
+        <a:font script="Cher" typeface="Plantagenet Cherokee"/>
+        <a:font script="Yiii" typeface="Microsoft Yi Baiti"/>
+        <a:font script="Tibt" typeface="Microsoft Himalaya"/>
+        <a:font script="Thaa" typeface="MV Boli"/>
+        <a:font script="Deva" typeface="Mangal"/>
+        <a:font script="Telu" typeface="Gautami"/>
+        <a:font script="Taml" typeface="Latha"/>
+        <a:font script="Syrc" typeface="Estrangelo Edessa"/>
+        <a:font script="Orya" typeface="Kalinga"/>
+        <a:font script="Mlym" typeface="Kartika"/>
+        <a:font script="Laoo" typeface="DokChampa"/>
+        <a:font script="Sinh" typeface="Iskoola Pota"/>
+        <a:font script="Mong" typeface="Mongolian Baiti"/>
+        <a:font script="Viet" typeface="Times New Roman"/>
+        <a:font script="Uigh" typeface="Microsoft Uighur"/>
+        <a:font script="Geor" typeface="Sylfaen"/>
+        <a:font script="Armn" typeface="Arial"/>
+        <a:font script="Bugi" typeface="Leelawadee UI"/>
+        <a:font script="Bopo" typeface="Microsoft JhengHei"/>
+        <a:font script="Java" typeface="Javanese Text"/>
+        <a:font script="Lisu" typeface="Segoe UI"/>
+        <a:font script="Mymr" typeface="Myanmar Text"/>
+        <a:font script="Nkoo" typeface="Ebrima"/>
+        <a:font script="Olck" typeface="Nirmala UI"/>
+        <a:font script="Osma" typeface="Ebrima"/>
+        <a:font script="Phag" typeface="Phagspa"/>
+        <a:font script="Syrn" typeface="Estrangelo Edessa"/>
+        <a:font script="Syrj" typeface="Estrangelo Edessa"/>
+        <a:font script="Syre" typeface="Estrangelo Edessa"/>
+        <a:font script="Sora" typeface="Nirmala UI"/>
+        <a:font script="Tale" typeface="Microsoft Tai Le"/>
+        <a:font script="Talu" typeface="Microsoft New Tai Lue"/>
+        <a:font script="Tfng" typeface="Ebrima"/>
+      </a:majorFont>
+      <a:minorFont>
+        <a:latin typeface="Calibri" panose="020F0502020204030204"/>
+        <a:ea typeface=""/>
+        <a:cs typeface=""/>
+        <a:font script="Jpan" typeface="游ゴシック"/>
+        <a:font script="Hang" typeface="맑은 고딕"/>
+        <a:font script="Hans" typeface="等线"/>
+        <a:font script="Hant" typeface="新細明體"/>
+        <a:font script="Arab" typeface="Arial"/>
+        <a:font script="Hebr" typeface="Arial"/>
+        <a:font script="Thai" typeface="Cordia New"/>
+        <a:font script="Ethi" typeface="Nyala"/>
+        <a:font script="Beng" typeface="Vrinda"/>
+        <a:font script="Gujr" typeface="Shruti"/>
+        <a:font script="Khmr" typeface="DaunPenh"/>
+        <a:font script="Knda" typeface="Tunga"/>
+        <a:font script="Guru" typeface="Raavi"/>
+        <a:font script="Cans" typeface="Euphemia"/>
+        <a:font script="Cher" typeface="Plantagenet Cherokee"/>
+        <a:font script="Yiii" typeface="Microsoft Yi Baiti"/>
+        <a:font script="Tibt" typeface="Microsoft Himalaya"/>
+        <a:font script="Thaa" typeface="MV Boli"/>
+        <a:font script="Deva" typeface="Mangal"/>
+        <a:font script="Telu" typeface="Gautami"/>
+        <a:font script="Taml" typeface="Latha"/>
+        <a:font script="Syrc" typeface="Estrangelo Edessa"/>
+        <a:font script="Orya" typeface="Kalinga"/>
+        <a:font script="Mlym" typeface="Kartika"/>
+        <a:font script="Laoo" typeface="DokChampa"/>
+        <a:font script="Sinh" typeface="Iskoola Pota"/>
+        <a:font script="Mong" typeface="Mongolian Baiti"/>
+        <a:font script="Viet" typeface="Arial"/>
+        <a:font script="Uigh" typeface="Microsoft Uighur"/>
+        <a:font script="Geor" typeface="Sylfaen"/>
+        <a:font script="Armn" typeface="Arial"/>
+        <a:font script="Bugi" typeface="Leelawadee UI"/>
+        <a:font script="Bopo" typeface="Microsoft JhengHei"/>
+        <a:font script="Java" typeface="Javanese Text"/>
+        <a:font script="Lisu" typeface="Segoe UI"/>
+        <a:font script="Mymr" typeface="Myanmar Text"/>
+        <a:font script="Nkoo" typeface="Ebrima"/>
+        <a:font script="Olck" typeface="Nirmala UI"/>
+        <a:font script="Osma" typeface="Ebrima"/>
+        <a:font script="Phag" typeface="Phagspa"/>
+        <a:font script="Syrn" typeface="Estrangelo Edessa"/>
+        <a:font script="Syrj" typeface="Estrangelo Edessa"/>
+        <a:font script="Syre" typeface="Estrangelo Edessa"/>
+        <a:font script="Sora" typeface="Nirmala UI"/>
+        <a:font script="Tale" typeface="Microsoft Tai Le"/>
+        <a:font script="Talu" typeface="Microsoft New Tai Lue"/>
+        <a:font script="Tfng" typeface="Ebrima"/>
+      </a:minorFont>
+    </a:fontScheme>
+    <a:fmtScheme name="Office">
+      <a:fillStyleLst>
+        <a:solidFill>
+          <a:schemeClr val="phClr"/>
+        </a:solidFill>
+        <a:gradFill rotWithShape="1">
+          <a:gsLst>
+            <a:gs pos="0">
+              <a:schemeClr val="phClr">
+                <a:lumMod val="110000"/>
+                <a:satMod val="105000"/>
+                <a:tint val="67000"/>
+              </a:schemeClr>
+            </a:gs>
+            <a:gs pos="50000">
+              <a:schemeClr val="phClr">
+                <a:lumMod val="105000"/>
+                <a:satMod val="103000"/>
+                <a:tint val="73000"/>
+              </a:schemeClr>
+            </a:gs>
+            <a:gs pos="100000">
+              <a:schemeClr val="phClr">
+                <a:lumMod val="105000"/>
+                <a:satMod val="109000"/>
+                <a:tint val="81000"/>
+              </a:schemeClr>
+            </a:gs>
+          </a:gsLst>
+          <a:lin ang="5400000" scaled="0"/>
+        </a:gradFill>
+        <a:gradFill rotWithShape="1">
+          <a:gsLst>
+            <a:gs pos="0">
+              <a:schemeClr val="phClr">
+                <a:satMod val="103000"/>
+                <a:lumMod val="102000"/>
+                <a:tint val="94000"/>
+              </a:schemeClr>
+            </a:gs>
+            <a:gs pos="50000">
+              <a:schemeClr val="phClr">
+                <a:satMod val="110000"/>
+                <a:lumMod val="100000"/>
+                <a:shade val="100000"/>
+              </a:schemeClr>
+            </a:gs>
+            <a:gs pos="100000">
+              <a:schemeClr val="phClr">
+                <a:lumMod val="99000"/>
+                <a:satMod val="120000"/>
+                <a:shade val="78000"/>
+              </a:schemeClr>
+            </a:gs>
+          </a:gsLst>
+          <a:lin ang="5400000" scaled="0"/>
+        </a:gradFill>
+      </a:fillStyleLst>
+      <a:lnStyleLst>
+        <a:ln w="6350" cap="flat" cmpd="sng" algn="ctr">
+          <a:solidFill>
+            <a:schemeClr val="phClr"/>
+          </a:solidFill>
+          <a:prstDash val="solid"/>
+          <a:miter lim="800000"/>
+        </a:ln>
+        <a:ln w="12700" cap="flat" cmpd="sng" algn="ctr">
+          <a:solidFill>
+            <a:schemeClr val="phClr"/>
+          </a:solidFill>
+          <a:prstDash val="solid"/>
+          <a:miter lim="800000"/>
+        </a:ln>
+        <a:ln w="19050" cap="flat" cmpd="sng" algn="ctr">
+          <a:solidFill>
+            <a:schemeClr val="phClr"/>
+          </a:solidFill>
+          <a:prstDash val="solid"/>
+          <a:miter lim="800000"/>
+        </a:ln>
+      </a:lnStyleLst>
+      <a:effectStyleLst>
+        <a:effectStyle>
+          <a:effectLst/>
+        </a:effectStyle>
+        <a:effectStyle>
+          <a:effectLst/>
+        </a:effectStyle>
+        <a:effectStyle>
+          <a:effectLst>
+            <a:outerShdw blurRad="57150" dist="19050" dir="5400000" algn="ctr" rotWithShape="0">
+              <a:srgbClr val="000000">
+                <a:alpha val="63000"/>
+              </a:srgbClr>
+            </a:outerShdw>
+          </a:effectLst>
+        </a:effectStyle>
+      </a:effectStyleLst>
+      <a:bgFillStyleLst>
+        <a:solidFill>
+          <a:schemeClr val="phClr"/>
+        </a:solidFill>
+        <a:solidFill>
+          <a:schemeClr val="phClr">
+            <a:tint val="95000"/>
+            <a:satMod val="170000"/>
+          </a:schemeClr>
+        </a:solidFill>
+        <a:gradFill rotWithShape="1">
+          <a:gsLst>
+            <a:gs pos="0">
+              <a:schemeClr val="phClr">
+                <a:tint val="93000"/>
+                <a:satMod val="150000"/>
+                <a:shade val="98000"/>
+                <a:lumMod val="102000"/>
+              </a:schemeClr>
+            </a:gs>
+            <a:gs pos="50000">
+              <a:schemeClr val="phClr">
+                <a:tint val="98000"/>
+                <a:satMod val="130000"/>
+                <a:shade val="90000"/>
+                <a:lumMod val="103000"/>
+              </a:schemeClr>
+            </a:gs>
+            <a:gs pos="100000">
+              <a:schemeClr val="phClr">
+                <a:shade val="63000"/>
+                <a:satMod val="120000"/>
+              </a:schemeClr>
+            </a:gs>
+          </a:gsLst>
+          <a:lin ang="5400000" scaled="0"/>
+        </a:gradFill>
+      </a:bgFillStyleLst>
+    </a:fmtScheme>
+  </a:themeElements>
+  <a:objectDefaults/>
+  <a:extraClrSchemeLst/>
+  <a:extLst>
+    <a:ext uri="{05A4C25C-085E-4340-85A3-A5531E510DB2}">
+      <thm15:themeFamily xmlns:thm15="http://schemas.microsoft.com/office/thememl/2012/main" name="Office Theme" id="{62F939B6-93AF-4DB8-9C6B-D6C7DFDC589F}" vid="{4A3C46E8-61CC-4603-A589-7422A47A8E4A}"/>
+    </a:ext>
+  </a:extLst>
+</a:theme>
 </file>
--- a/SCTP_DTLS_REQ.pptx
+++ b/SCTP_DTLS_REQ.pptx
@@ -204,7 +204,7 @@
           <a:p>
             <a:fld id="{108AD09B-7AB8-CC42-A1BA-7C68369AC918}" type="datetimeFigureOut">
               <a:rPr lang="en-US" smtClean="0"/>
-              <a:t>10/27/23</a:t>
+              <a:t>11/17/23</a:t>
             </a:fld>
             <a:endParaRPr lang="en-US"/>
           </a:p>
@@ -618,7 +618,7 @@
           <a:p>
             <a:fld id="{A8F7BD6E-364A-514B-905D-15DBF3E67648}" type="datetime1">
               <a:rPr lang="en-US" smtClean="0"/>
-              <a:t>10/27/23</a:t>
+              <a:t>11/17/23</a:t>
             </a:fld>
             <a:endParaRPr lang="en-US"/>
           </a:p>
@@ -816,7 +816,7 @@
           <a:p>
             <a:fld id="{F61C2FBE-B8D6-D547-9282-9EC77743BC0A}" type="datetime1">
               <a:rPr lang="en-US" smtClean="0"/>
-              <a:t>10/27/23</a:t>
+              <a:t>11/17/23</a:t>
             </a:fld>
             <a:endParaRPr lang="en-US"/>
           </a:p>
@@ -1024,7 +1024,7 @@
           <a:p>
             <a:fld id="{C531A4A5-E0CC-6A44-8D5B-7470DEE9150D}" type="datetime1">
               <a:rPr lang="en-US" smtClean="0"/>
-              <a:t>10/27/23</a:t>
+              <a:t>11/17/23</a:t>
             </a:fld>
             <a:endParaRPr lang="en-US"/>
           </a:p>
@@ -1222,7 +1222,7 @@
           <a:p>
             <a:fld id="{0FD05AA0-7A0A-A240-95B0-41C4FC7FEF3F}" type="datetime1">
               <a:rPr lang="en-US" smtClean="0"/>
-              <a:t>10/27/23</a:t>
+              <a:t>11/17/23</a:t>
             </a:fld>
             <a:endParaRPr lang="en-US"/>
           </a:p>
@@ -1497,7 +1497,7 @@
           <a:p>
             <a:fld id="{492F5F67-E4E1-0B46-A541-0286580506DC}" type="datetime1">
               <a:rPr lang="en-US" smtClean="0"/>
-              <a:t>10/27/23</a:t>
+              <a:t>11/17/23</a:t>
             </a:fld>
             <a:endParaRPr lang="en-US"/>
           </a:p>
@@ -1762,7 +1762,7 @@
           <a:p>
             <a:fld id="{CD6E3338-B931-A843-9726-3D4933BBE2B6}" type="datetime1">
               <a:rPr lang="en-US" smtClean="0"/>
-              <a:t>10/27/23</a:t>
+              <a:t>11/17/23</a:t>
             </a:fld>
             <a:endParaRPr lang="en-US"/>
           </a:p>
@@ -2174,7 +2174,7 @@
           <a:p>
             <a:fld id="{998F852E-6523-104E-943C-AD0A8BADDFF7}" type="datetime1">
               <a:rPr lang="en-US" smtClean="0"/>
-              <a:t>10/27/23</a:t>
+              <a:t>11/17/23</a:t>
             </a:fld>
             <a:endParaRPr lang="en-US"/>
           </a:p>
@@ -2315,7 +2315,7 @@
           <a:p>
             <a:fld id="{00715B09-F454-1B43-BA14-0C163C35D17B}" type="datetime1">
               <a:rPr lang="en-US" smtClean="0"/>
-              <a:t>10/27/23</a:t>
+              <a:t>11/17/23</a:t>
             </a:fld>
             <a:endParaRPr lang="en-US"/>
           </a:p>
@@ -2428,7 +2428,7 @@
           <a:p>
             <a:fld id="{45D3E245-F198-854E-AE1F-11D9862087BE}" type="datetime1">
               <a:rPr lang="en-US" smtClean="0"/>
-              <a:t>10/27/23</a:t>
+              <a:t>11/17/23</a:t>
             </a:fld>
             <a:endParaRPr lang="en-US"/>
           </a:p>
@@ -2739,7 +2739,7 @@
           <a:p>
             <a:fld id="{1CDA9BB8-81E0-C14F-B5A7-21E310CC6BEA}" type="datetime1">
               <a:rPr lang="en-US" smtClean="0"/>
-              <a:t>10/27/23</a:t>
+              <a:t>11/17/23</a:t>
             </a:fld>
             <a:endParaRPr lang="en-US"/>
           </a:p>
@@ -3027,7 +3027,7 @@
           <a:p>
             <a:fld id="{35BD4846-0B22-E244-9BD2-C2A2A852C121}" type="datetime1">
               <a:rPr lang="en-US" smtClean="0"/>
-              <a:t>10/27/23</a:t>
+              <a:t>11/17/23</a:t>
             </a:fld>
             <a:endParaRPr lang="en-US"/>
           </a:p>
@@ -3268,7 +3268,7 @@
           <a:p>
             <a:fld id="{C37BE4AB-D615-A94C-AEE2-AC91B9864A50}" type="datetime1">
               <a:rPr lang="en-US" smtClean="0"/>
-              <a:t>10/27/23</a:t>
+              <a:t>11/17/23</a:t>
             </a:fld>
             <a:endParaRPr lang="en-US"/>
           </a:p>
@@ -4339,13 +4339,17 @@
           <a:p>
             <a:r>
               <a:rPr lang="en-US" dirty="0"/>
-              <a:t>Protocol mechanisms should not limit availability of communication or result in message loss.</a:t>
-            </a:r>
-          </a:p>
-          <a:p>
+              <a:t>Protocol mechanisms should not limit availability of communication or result in (reliable) user message loss. (MUST)</a:t>
+            </a:r>
+          </a:p>
+          <a:p>
+            <a:r>
+              <a:rPr lang="en-US" dirty="0" err="1"/>
+              <a:t>Signalling</a:t>
+            </a:r>
             <a:r>
               <a:rPr lang="en-US" dirty="0"/>
-              <a:t>User message sizes of at least 1 GB (0.5 MB currently in use) supported, if unlimited is not feasible.</a:t>
+              <a:t> message sizes of at least 1 GB (0.5 MB currently in use) supported, if unlimited is not feasible. (MUST)</a:t>
             </a:r>
           </a:p>
         </p:txBody>
@@ -4469,21 +4473,28 @@
             <a:pPr lvl="1"/>
             <a:r>
               <a:rPr lang="en-US" dirty="0"/>
-              <a:t>Ordered reliable transmission of user messages</a:t>
+              <a:t>Ordered reliable transmission of user messages (MUST)</a:t>
             </a:r>
           </a:p>
           <a:p>
             <a:pPr lvl="1"/>
             <a:r>
               <a:rPr lang="en-US" dirty="0"/>
-              <a:t>Multihoming, but no dynamic address reconfiguration</a:t>
+              <a:t>Multihoming as specified in RFC 6260 (MUST)</a:t>
             </a:r>
           </a:p>
           <a:p>
             <a:pPr lvl="1"/>
             <a:r>
               <a:rPr lang="en-US" dirty="0"/>
-              <a:t>Restart procedure</a:t>
+              <a:t>Dynamic address reconfiguration as specified in RFC ???? (MAY)</a:t>
+            </a:r>
+          </a:p>
+          <a:p>
+            <a:pPr lvl="1"/>
+            <a:r>
+              <a:rPr lang="en-US" dirty="0"/>
+              <a:t>Restart procedure (MUST)</a:t>
             </a:r>
           </a:p>
           <a:p>
@@ -4496,13 +4507,8 @@
             <a:pPr lvl="1"/>
             <a:r>
               <a:rPr lang="en-US" dirty="0"/>
-              <a:t>At least two SCTP streams available to </a:t>
-            </a:r>
-            <a:r>
-              <a:rPr lang="en-US"/>
-              <a:t>the application</a:t>
-            </a:r>
-            <a:endParaRPr lang="en-US" dirty="0"/>
+              <a:t>At least two SCTP streams available to the application (MUST)</a:t>
+            </a:r>
           </a:p>
         </p:txBody>
       </p:sp>
@@ -4611,8 +4617,37 @@
         </p:nvSpPr>
         <p:spPr/>
         <p:txBody>
-          <a:bodyPr/>
-          <a:lstStyle/>
+          <a:bodyPr>
+            <a:normAutofit/>
+          </a:bodyPr>
+          <a:lstStyle/>
+          <a:p>
+            <a:r>
+              <a:rPr lang="en-US" b="0" i="0" u="none" strike="noStrike" dirty="0">
+                <a:solidFill>
+                  <a:srgbClr val="222222"/>
+                </a:solidFill>
+                <a:effectLst/>
+              </a:rPr>
+              <a:t>SCTP_EXPLICT_EOR (SHOULD)</a:t>
+            </a:r>
+          </a:p>
+          <a:p>
+            <a:r>
+              <a:rPr lang="en-US" dirty="0">
+                <a:solidFill>
+                  <a:srgbClr val="222222"/>
+                </a:solidFill>
+              </a:rPr>
+              <a:t>Partial delivery (MUST)</a:t>
+            </a:r>
+            <a:endParaRPr lang="en-US" b="0" i="0" u="none" strike="noStrike" dirty="0">
+              <a:solidFill>
+                <a:srgbClr val="222222"/>
+              </a:solidFill>
+              <a:effectLst/>
+            </a:endParaRPr>
+          </a:p>
           <a:p>
             <a:r>
               <a:rPr lang="en-US" b="0" i="0" u="none" strike="noStrike" dirty="0">
@@ -4625,20 +4660,49 @@
             </a:r>
           </a:p>
           <a:p>
-            <a:pPr algn="l">
-              <a:buFont typeface="Arial" panose="020B0604020202020204" pitchFamily="34" charset="0"/>
-              <a:buChar char="•"/>
-            </a:pPr>
             <a:r>
               <a:rPr lang="en-US" dirty="0">
                 <a:effectLst/>
               </a:rPr>
-              <a:t>For some participants it is preferred to be able to use open-source kernel SCTP implementations</a:t>
-            </a:r>
-            <a:br>
+              <a:t>It is implementable using an SCTP userland stack (MUST)</a:t>
+            </a:r>
+          </a:p>
+          <a:p>
+            <a:r>
               <a:rPr lang="en-US" dirty="0"/>
-            </a:br>
-            <a:endParaRPr lang="en-US" dirty="0"/>
+              <a:t>It is implementable using an SCTP kernel stack (MUST)</a:t>
+            </a:r>
+          </a:p>
+          <a:p>
+            <a:r>
+              <a:rPr lang="en-US" dirty="0"/>
+              <a:t>It is implementable using an open source (not referring to licensing) SCTP stack (SHOULD)</a:t>
+            </a:r>
+          </a:p>
+          <a:p>
+            <a:r>
+              <a:rPr lang="en-US" dirty="0">
+                <a:effectLst/>
+              </a:rPr>
+              <a:t>TBD: </a:t>
+            </a:r>
+            <a:r>
+              <a:rPr lang="en-US" dirty="0"/>
+              <a:t>l</a:t>
+            </a:r>
+            <a:r>
+              <a:rPr lang="en-US" dirty="0">
+                <a:effectLst/>
+              </a:rPr>
+              <a:t>icensin</a:t>
+            </a:r>
+            <a:r>
+              <a:rPr lang="en-US" dirty="0"/>
+              <a:t>g</a:t>
+            </a:r>
+            <a:endParaRPr lang="en-US" dirty="0">
+              <a:effectLst/>
+            </a:endParaRPr>
           </a:p>
         </p:txBody>
       </p:sp>
@@ -4748,7 +4812,7 @@
         <p:spPr/>
         <p:txBody>
           <a:bodyPr>
-            <a:normAutofit fontScale="92500" lnSpcReduction="10000"/>
+            <a:normAutofit fontScale="85000" lnSpcReduction="10000"/>
           </a:bodyPr>
           <a:lstStyle/>
           <a:p>
@@ -4760,7 +4824,7 @@
                 <a:effectLst/>
                 <a:latin typeface="Noto Sans" panose="020B0502040504020204" pitchFamily="34" charset="0"/>
               </a:rPr>
-              <a:t>An on-path attacker being able to replay messages, insert messages, or modify messages is considered.</a:t>
+              <a:t>An on-path attacker being able to replay messages, insert messages, or modify messages is considered. (MUST)</a:t>
             </a:r>
           </a:p>
           <a:p>
@@ -4785,7 +4849,7 @@
                 <a:effectLst/>
                 <a:latin typeface="Noto Sans" panose="020B0502040504020204" pitchFamily="34" charset="0"/>
               </a:rPr>
-              <a:t>Mutual authentication</a:t>
+              <a:t>Mutual authentication (MUST)</a:t>
             </a:r>
           </a:p>
           <a:p>
@@ -4798,7 +4862,7 @@
                 <a:effectLst/>
                 <a:latin typeface="Noto Sans" panose="020B0502040504020204" pitchFamily="34" charset="0"/>
               </a:rPr>
-              <a:t>Privacy and integrity is required for user data</a:t>
+              <a:t>Privacy and integrity is required for user data (MUST)</a:t>
             </a:r>
           </a:p>
           <a:p>
@@ -4838,7 +4902,7 @@
                 <a:effectLst/>
                 <a:latin typeface="Noto Sans" panose="020B0502040504020204" pitchFamily="34" charset="0"/>
               </a:rPr>
-              <a:t>eriodic re-authentication, for example allowing a certificate update</a:t>
+              <a:t>eriodic re-authentication, for example allowing a certificate update (MUST)</a:t>
             </a:r>
           </a:p>
           <a:p>
@@ -4851,7 +4915,7 @@
                 <a:effectLst/>
                 <a:latin typeface="Noto Sans" panose="020B0502040504020204" pitchFamily="34" charset="0"/>
               </a:rPr>
-              <a:t>It must the possible to run DH once per hour or every 100GB</a:t>
+              <a:t>It must the possible to run DH, for example once per hour or every 100GB. (MUST)</a:t>
             </a:r>
           </a:p>
           <a:p>
@@ -4885,7 +4949,7 @@
                 <a:effectLst/>
                 <a:latin typeface="Noto Sans" panose="020B0502040504020204" pitchFamily="34" charset="0"/>
               </a:rPr>
-              <a:t>affect the availability of the association.</a:t>
+              <a:t>affect the availability of the association. (MUST)</a:t>
             </a:r>
           </a:p>
           <a:p>
@@ -4898,7 +4962,7 @@
                 <a:effectLst/>
                 <a:latin typeface="Noto Sans" panose="020B0502040504020204" pitchFamily="34" charset="0"/>
               </a:rPr>
-              <a:t>In particular, the SCTP restart procedure must not allow to take over an SCTP association by an attacker.</a:t>
+              <a:t>In particular, the SCTP restart procedure must not allow to take over an SCTP association by an attacker. (MUST)</a:t>
             </a:r>
           </a:p>
         </p:txBody>
@@ -5013,13 +5077,19 @@
           <a:p>
             <a:r>
               <a:rPr lang="en-US" dirty="0"/>
-              <a:t>Focus on DTLS 1.3</a:t>
+              <a:t>Support DTLS 1.3 (SHOULD)</a:t>
             </a:r>
           </a:p>
           <a:p>
             <a:r>
               <a:rPr lang="en-US" dirty="0"/>
-              <a:t>For some participants it is preferred to use unmodified DTLS implementations</a:t>
+              <a:t>Support DTLS 1.2 (MAY)</a:t>
+            </a:r>
+          </a:p>
+          <a:p>
+            <a:r>
+              <a:rPr lang="en-US" dirty="0"/>
+              <a:t>For some participants it is preferred to use unmodified DTLS implementations (MAY)</a:t>
             </a:r>
           </a:p>
         </p:txBody>
